--- a/2021-02 FRPSUG Secrets Mgmt Demo/Getting Started w Microsoft Secrets Mgmt Module.pptx
+++ b/2021-02 FRPSUG Secrets Mgmt Demo/Getting Started w Microsoft Secrets Mgmt Module.pptx
@@ -262,7 +262,7 @@
           <a:p>
             <a:fld id="{D21E4C47-3918-4504-806B-16C4F2479A12}" type="datetimeFigureOut">
               <a:rPr lang="en-US" smtClean="0"/>
-              <a:t>2/22/2021</a:t>
+              <a:t>2/23/2021</a:t>
             </a:fld>
             <a:endParaRPr lang="en-US"/>
           </a:p>
@@ -460,7 +460,7 @@
           <a:p>
             <a:fld id="{D21E4C47-3918-4504-806B-16C4F2479A12}" type="datetimeFigureOut">
               <a:rPr lang="en-US" smtClean="0"/>
-              <a:t>2/22/2021</a:t>
+              <a:t>2/23/2021</a:t>
             </a:fld>
             <a:endParaRPr lang="en-US"/>
           </a:p>
@@ -668,7 +668,7 @@
           <a:p>
             <a:fld id="{D21E4C47-3918-4504-806B-16C4F2479A12}" type="datetimeFigureOut">
               <a:rPr lang="en-US" smtClean="0"/>
-              <a:t>2/22/2021</a:t>
+              <a:t>2/23/2021</a:t>
             </a:fld>
             <a:endParaRPr lang="en-US"/>
           </a:p>
@@ -866,7 +866,7 @@
           <a:p>
             <a:fld id="{D21E4C47-3918-4504-806B-16C4F2479A12}" type="datetimeFigureOut">
               <a:rPr lang="en-US" smtClean="0"/>
-              <a:t>2/22/2021</a:t>
+              <a:t>2/23/2021</a:t>
             </a:fld>
             <a:endParaRPr lang="en-US"/>
           </a:p>
@@ -1141,7 +1141,7 @@
           <a:p>
             <a:fld id="{D21E4C47-3918-4504-806B-16C4F2479A12}" type="datetimeFigureOut">
               <a:rPr lang="en-US" smtClean="0"/>
-              <a:t>2/22/2021</a:t>
+              <a:t>2/23/2021</a:t>
             </a:fld>
             <a:endParaRPr lang="en-US"/>
           </a:p>
@@ -1406,7 +1406,7 @@
           <a:p>
             <a:fld id="{D21E4C47-3918-4504-806B-16C4F2479A12}" type="datetimeFigureOut">
               <a:rPr lang="en-US" smtClean="0"/>
-              <a:t>2/22/2021</a:t>
+              <a:t>2/23/2021</a:t>
             </a:fld>
             <a:endParaRPr lang="en-US"/>
           </a:p>
@@ -1818,7 +1818,7 @@
           <a:p>
             <a:fld id="{D21E4C47-3918-4504-806B-16C4F2479A12}" type="datetimeFigureOut">
               <a:rPr lang="en-US" smtClean="0"/>
-              <a:t>2/22/2021</a:t>
+              <a:t>2/23/2021</a:t>
             </a:fld>
             <a:endParaRPr lang="en-US"/>
           </a:p>
@@ -1959,7 +1959,7 @@
           <a:p>
             <a:fld id="{D21E4C47-3918-4504-806B-16C4F2479A12}" type="datetimeFigureOut">
               <a:rPr lang="en-US" smtClean="0"/>
-              <a:t>2/22/2021</a:t>
+              <a:t>2/23/2021</a:t>
             </a:fld>
             <a:endParaRPr lang="en-US"/>
           </a:p>
@@ -2072,7 +2072,7 @@
           <a:p>
             <a:fld id="{D21E4C47-3918-4504-806B-16C4F2479A12}" type="datetimeFigureOut">
               <a:rPr lang="en-US" smtClean="0"/>
-              <a:t>2/22/2021</a:t>
+              <a:t>2/23/2021</a:t>
             </a:fld>
             <a:endParaRPr lang="en-US"/>
           </a:p>
@@ -2383,7 +2383,7 @@
           <a:p>
             <a:fld id="{D21E4C47-3918-4504-806B-16C4F2479A12}" type="datetimeFigureOut">
               <a:rPr lang="en-US" smtClean="0"/>
-              <a:t>2/22/2021</a:t>
+              <a:t>2/23/2021</a:t>
             </a:fld>
             <a:endParaRPr lang="en-US"/>
           </a:p>
@@ -2671,7 +2671,7 @@
           <a:p>
             <a:fld id="{D21E4C47-3918-4504-806B-16C4F2479A12}" type="datetimeFigureOut">
               <a:rPr lang="en-US" smtClean="0"/>
-              <a:t>2/22/2021</a:t>
+              <a:t>2/23/2021</a:t>
             </a:fld>
             <a:endParaRPr lang="en-US"/>
           </a:p>
@@ -2912,7 +2912,7 @@
           <a:p>
             <a:fld id="{D21E4C47-3918-4504-806B-16C4F2479A12}" type="datetimeFigureOut">
               <a:rPr lang="en-US" smtClean="0"/>
-              <a:t>2/22/2021</a:t>
+              <a:t>2/23/2021</a:t>
             </a:fld>
             <a:endParaRPr lang="en-US"/>
           </a:p>
@@ -21152,6 +21152,22 @@
           <a:p>
             <a:endParaRPr lang="en-US" sz="2400" b="1" dirty="0"/>
           </a:p>
+          <a:p>
+            <a:r>
+              <a:rPr lang="en-US" sz="2400" b="1" dirty="0"/>
+              <a:t>Notes: </a:t>
+            </a:r>
+            <a:r>
+              <a:rPr lang="en-US" sz="2400" b="1" dirty="0">
+                <a:hlinkClick r:id="rId2"/>
+              </a:rPr>
+              <a:t>http://bit.ly/frpsug-mkdemo</a:t>
+            </a:r>
+            <a:endParaRPr lang="en-US" sz="2400" b="1" dirty="0"/>
+          </a:p>
+          <a:p>
+            <a:endParaRPr lang="en-US" sz="2400" b="1" dirty="0"/>
+          </a:p>
         </p:txBody>
       </p:sp>
       <p:pic>
@@ -21169,7 +21185,7 @@
           <p:nvPr/>
         </p:nvPicPr>
         <p:blipFill rotWithShape="1">
-          <a:blip r:embed="rId2">
+          <a:blip r:embed="rId3">
             <a:extLst>
               <a:ext uri="{28A0092B-C50C-407E-A947-70E740481C1C}">
                 <a14:useLocalDpi xmlns:a14="http://schemas.microsoft.com/office/drawing/2010/main" val="0"/>

--- a/2021-02 FRPSUG Secrets Mgmt Demo/Getting Started w Microsoft Secrets Mgmt Module.pptx
+++ b/2021-02 FRPSUG Secrets Mgmt Demo/Getting Started w Microsoft Secrets Mgmt Module.pptx
@@ -3572,7 +3572,7 @@
         </p:nvSpPr>
         <p:spPr>
           <a:xfrm>
-            <a:off x="735746" y="3868334"/>
+            <a:off x="643553" y="3868334"/>
             <a:ext cx="4620584" cy="775494"/>
           </a:xfrm>
         </p:spPr>
